--- a/Pesquisa e inovação/Tecshine - PI (1).pptx
+++ b/Pesquisa e inovação/Tecshine - PI (1).pptx
@@ -273,6 +273,11 @@
       </a:defRPr>
     </a:lvl9pPr>
   </p:defaultTextStyle>
+  <p:extLst>
+    <p:ext uri="{EFAFB233-063F-42B5-8137-9DF3F51BA10A}">
+      <p15:sldGuideLst xmlns:p15="http://schemas.microsoft.com/office/powerpoint/2012/main"/>
+    </p:ext>
+  </p:extLst>
 </p:presentation>
 </file>
 
@@ -6879,7 +6884,7 @@
         <p:push/>
       </p:transition>
     </mc:Choice>
-    <mc:Fallback xmlns:ahyp="http://schemas.microsoft.com/office/drawing/2018/hyperlinkcolor" xmlns:p15="http://schemas.microsoft.com/office/powerpoint/2012/main" xmlns:com="http://schemas.openxmlformats.org/drawingml/2006/compatibility" xmlns:pvml="urn:schemas-microsoft-com:office:powerpoint" xmlns:v="urn:schemas-microsoft-com:vml" xmlns:o="urn:schemas-microsoft-com:office:office" xmlns:dgm="http://schemas.openxmlformats.org/drawingml/2006/diagram" xmlns:c="http://schemas.openxmlformats.org/drawingml/2006/chart" xmlns:mv="urn:schemas-microsoft-com:mac:vml" xmlns="">
+    <mc:Fallback xmlns="" xmlns:mv="urn:schemas-microsoft-com:mac:vml" xmlns:c="http://schemas.openxmlformats.org/drawingml/2006/chart" xmlns:dgm="http://schemas.openxmlformats.org/drawingml/2006/diagram" xmlns:o="urn:schemas-microsoft-com:office:office" xmlns:v="urn:schemas-microsoft-com:vml" xmlns:pvml="urn:schemas-microsoft-com:office:powerpoint" xmlns:com="http://schemas.openxmlformats.org/drawingml/2006/compatibility" xmlns:p15="http://schemas.microsoft.com/office/powerpoint/2012/main" xmlns:ahyp="http://schemas.microsoft.com/office/drawing/2018/hyperlinkcolor">
       <p:transition spd="slow">
         <p:fade/>
       </p:transition>
@@ -14968,7 +14973,7 @@
         </p:blipFill>
         <p:spPr>
           <a:xfrm>
-            <a:off x="2238275" y="2055925"/>
+            <a:off x="3483800" y="2120725"/>
             <a:ext cx="576900" cy="576900"/>
           </a:xfrm>
           <a:prstGeom prst="rect">
@@ -14996,7 +15001,7 @@
         </p:blipFill>
         <p:spPr>
           <a:xfrm>
-            <a:off x="3368974" y="1901550"/>
+            <a:off x="2235148" y="1909494"/>
             <a:ext cx="798400" cy="798400"/>
           </a:xfrm>
           <a:prstGeom prst="rect">
@@ -15336,7 +15341,7 @@
         </p:nvSpPr>
         <p:spPr>
           <a:xfrm>
-            <a:off x="2931875" y="2279575"/>
+            <a:off x="3082498" y="2290819"/>
             <a:ext cx="320400" cy="129600"/>
           </a:xfrm>
           <a:prstGeom prst="rightArrow">
@@ -15762,7 +15767,7 @@
         </p:nvSpPr>
         <p:spPr>
           <a:xfrm>
-            <a:off x="1889800" y="2279576"/>
+            <a:off x="1752361" y="2296032"/>
             <a:ext cx="320400" cy="129600"/>
           </a:xfrm>
           <a:prstGeom prst="rightArrow">
@@ -15976,7 +15981,7 @@
         </p:nvCxnSpPr>
         <p:spPr>
           <a:xfrm rot="10800000" flipH="1">
-            <a:off x="2526725" y="1666825"/>
+            <a:off x="3772250" y="1731625"/>
             <a:ext cx="12600" cy="389100"/>
           </a:xfrm>
           <a:prstGeom prst="straightConnector1">
@@ -16004,7 +16009,7 @@
         </p:nvCxnSpPr>
         <p:spPr>
           <a:xfrm rot="10800000" flipH="1">
-            <a:off x="3768174" y="1614750"/>
+            <a:off x="2634348" y="1622694"/>
             <a:ext cx="8100" cy="286800"/>
           </a:xfrm>
           <a:prstGeom prst="straightConnector1">
@@ -16518,7 +16523,7 @@
         </p:blipFill>
         <p:spPr>
           <a:xfrm>
-            <a:off x="1932700" y="2230675"/>
+            <a:off x="3156843" y="2265992"/>
             <a:ext cx="576900" cy="576900"/>
           </a:xfrm>
           <a:prstGeom prst="rect">
@@ -16546,7 +16551,7 @@
         </p:blipFill>
         <p:spPr>
           <a:xfrm>
-            <a:off x="2997636" y="1972125"/>
+            <a:off x="1882481" y="2025683"/>
             <a:ext cx="798400" cy="798400"/>
           </a:xfrm>
           <a:prstGeom prst="rect">
@@ -16907,7 +16912,7 @@
         </p:nvSpPr>
         <p:spPr>
           <a:xfrm>
-            <a:off x="2602325" y="2454325"/>
+            <a:off x="2749435" y="2462872"/>
             <a:ext cx="320400" cy="129600"/>
           </a:xfrm>
           <a:prstGeom prst="rightArrow">
@@ -17129,7 +17134,7 @@
         </p:nvSpPr>
         <p:spPr>
           <a:xfrm>
-            <a:off x="2862825" y="3063800"/>
+            <a:off x="1747670" y="3117358"/>
             <a:ext cx="1068000" cy="750945"/>
           </a:xfrm>
           <a:prstGeom prst="rect">
@@ -17346,7 +17351,7 @@
         </p:nvCxnSpPr>
         <p:spPr>
           <a:xfrm rot="10800000" flipH="1">
-            <a:off x="2221150" y="1822975"/>
+            <a:off x="3445293" y="1858292"/>
             <a:ext cx="5400" cy="407700"/>
           </a:xfrm>
           <a:prstGeom prst="straightConnector1">
@@ -17374,7 +17379,7 @@
         </p:nvCxnSpPr>
         <p:spPr>
           <a:xfrm rot="10800000">
-            <a:off x="3385736" y="1810125"/>
+            <a:off x="2270581" y="1863683"/>
             <a:ext cx="11100" cy="162000"/>
           </a:xfrm>
           <a:prstGeom prst="straightConnector1">
@@ -17402,7 +17407,7 @@
         </p:nvCxnSpPr>
         <p:spPr>
           <a:xfrm>
-            <a:off x="3396825" y="2792000"/>
+            <a:off x="2281670" y="2845558"/>
             <a:ext cx="0" cy="271800"/>
           </a:xfrm>
           <a:prstGeom prst="straightConnector1">
